--- a/Vue.pptx
+++ b/Vue.pptx
@@ -19,6 +19,7 @@
     <p:sldId id="270" r:id="rId13"/>
     <p:sldId id="271" r:id="rId14"/>
     <p:sldId id="267" r:id="rId15"/>
+    <p:sldId id="272" r:id="rId16"/>
   </p:sldIdLst>
   <p:sldSz cx="12192000" cy="6858000"/>
   <p:notesSz cx="6858000" cy="9144000"/>
@@ -256,7 +257,7 @@
           <a:p>
             <a:fld id="{802E6DB2-457C-486C-847C-AC331817C123}" type="datetimeFigureOut">
               <a:rPr lang="en-US" smtClean="0"/>
-              <a:t>9/3/2018</a:t>
+              <a:t>9/4/2018</a:t>
             </a:fld>
             <a:endParaRPr lang="en-US"/>
           </a:p>
@@ -426,7 +427,7 @@
           <a:p>
             <a:fld id="{802E6DB2-457C-486C-847C-AC331817C123}" type="datetimeFigureOut">
               <a:rPr lang="en-US" smtClean="0"/>
-              <a:t>9/3/2018</a:t>
+              <a:t>9/4/2018</a:t>
             </a:fld>
             <a:endParaRPr lang="en-US"/>
           </a:p>
@@ -606,7 +607,7 @@
           <a:p>
             <a:fld id="{802E6DB2-457C-486C-847C-AC331817C123}" type="datetimeFigureOut">
               <a:rPr lang="en-US" smtClean="0"/>
-              <a:t>9/3/2018</a:t>
+              <a:t>9/4/2018</a:t>
             </a:fld>
             <a:endParaRPr lang="en-US"/>
           </a:p>
@@ -776,7 +777,7 @@
           <a:p>
             <a:fld id="{802E6DB2-457C-486C-847C-AC331817C123}" type="datetimeFigureOut">
               <a:rPr lang="en-US" smtClean="0"/>
-              <a:t>9/3/2018</a:t>
+              <a:t>9/4/2018</a:t>
             </a:fld>
             <a:endParaRPr lang="en-US"/>
           </a:p>
@@ -1022,7 +1023,7 @@
           <a:p>
             <a:fld id="{802E6DB2-457C-486C-847C-AC331817C123}" type="datetimeFigureOut">
               <a:rPr lang="en-US" smtClean="0"/>
-              <a:t>9/3/2018</a:t>
+              <a:t>9/4/2018</a:t>
             </a:fld>
             <a:endParaRPr lang="en-US"/>
           </a:p>
@@ -1254,7 +1255,7 @@
           <a:p>
             <a:fld id="{802E6DB2-457C-486C-847C-AC331817C123}" type="datetimeFigureOut">
               <a:rPr lang="en-US" smtClean="0"/>
-              <a:t>9/3/2018</a:t>
+              <a:t>9/4/2018</a:t>
             </a:fld>
             <a:endParaRPr lang="en-US"/>
           </a:p>
@@ -1621,7 +1622,7 @@
           <a:p>
             <a:fld id="{802E6DB2-457C-486C-847C-AC331817C123}" type="datetimeFigureOut">
               <a:rPr lang="en-US" smtClean="0"/>
-              <a:t>9/3/2018</a:t>
+              <a:t>9/4/2018</a:t>
             </a:fld>
             <a:endParaRPr lang="en-US"/>
           </a:p>
@@ -1739,7 +1740,7 @@
           <a:p>
             <a:fld id="{802E6DB2-457C-486C-847C-AC331817C123}" type="datetimeFigureOut">
               <a:rPr lang="en-US" smtClean="0"/>
-              <a:t>9/3/2018</a:t>
+              <a:t>9/4/2018</a:t>
             </a:fld>
             <a:endParaRPr lang="en-US"/>
           </a:p>
@@ -1834,7 +1835,7 @@
           <a:p>
             <a:fld id="{802E6DB2-457C-486C-847C-AC331817C123}" type="datetimeFigureOut">
               <a:rPr lang="en-US" smtClean="0"/>
-              <a:t>9/3/2018</a:t>
+              <a:t>9/4/2018</a:t>
             </a:fld>
             <a:endParaRPr lang="en-US"/>
           </a:p>
@@ -2111,7 +2112,7 @@
           <a:p>
             <a:fld id="{802E6DB2-457C-486C-847C-AC331817C123}" type="datetimeFigureOut">
               <a:rPr lang="en-US" smtClean="0"/>
-              <a:t>9/3/2018</a:t>
+              <a:t>9/4/2018</a:t>
             </a:fld>
             <a:endParaRPr lang="en-US"/>
           </a:p>
@@ -2364,7 +2365,7 @@
           <a:p>
             <a:fld id="{802E6DB2-457C-486C-847C-AC331817C123}" type="datetimeFigureOut">
               <a:rPr lang="en-US" smtClean="0"/>
-              <a:t>9/3/2018</a:t>
+              <a:t>9/4/2018</a:t>
             </a:fld>
             <a:endParaRPr lang="en-US"/>
           </a:p>
@@ -2577,7 +2578,7 @@
           <a:p>
             <a:fld id="{802E6DB2-457C-486C-847C-AC331817C123}" type="datetimeFigureOut">
               <a:rPr lang="en-US" smtClean="0"/>
-              <a:t>9/3/2018</a:t>
+              <a:t>9/4/2018</a:t>
             </a:fld>
             <a:endParaRPr lang="en-US"/>
           </a:p>
@@ -3498,6 +3499,94 @@
 </p:sld>
 </file>
 
+<file path=ppt/slides/slide15.xml><?xml version="1.0" encoding="utf-8"?>
+<p:sld xmlns:a="http://schemas.openxmlformats.org/drawingml/2006/main" xmlns:r="http://schemas.openxmlformats.org/officeDocument/2006/relationships" xmlns:p="http://schemas.openxmlformats.org/presentationml/2006/main">
+  <p:cSld>
+    <p:spTree>
+      <p:nvGrpSpPr>
+        <p:cNvPr id="1" name=""/>
+        <p:cNvGrpSpPr/>
+        <p:nvPr/>
+      </p:nvGrpSpPr>
+      <p:grpSpPr>
+        <a:xfrm>
+          <a:off x="0" y="0"/>
+          <a:ext cx="0" cy="0"/>
+          <a:chOff x="0" y="0"/>
+          <a:chExt cx="0" cy="0"/>
+        </a:xfrm>
+      </p:grpSpPr>
+      <p:sp>
+        <p:nvSpPr>
+          <p:cNvPr id="2" name="Заголовок 1"/>
+          <p:cNvSpPr>
+            <a:spLocks noGrp="1"/>
+          </p:cNvSpPr>
+          <p:nvPr>
+            <p:ph type="ctrTitle"/>
+          </p:nvPr>
+        </p:nvSpPr>
+        <p:spPr>
+          <a:xfrm>
+            <a:off x="-426720" y="309275"/>
+            <a:ext cx="12933680" cy="513347"/>
+          </a:xfrm>
+        </p:spPr>
+        <p:txBody>
+          <a:bodyPr>
+            <a:noAutofit/>
+          </a:bodyPr>
+          <a:lstStyle/>
+          <a:p>
+            <a:r>
+              <a:rPr lang="en-US" sz="5500" dirty="0" err="1" smtClean="0"/>
+              <a:t>Vue</a:t>
+            </a:r>
+            <a:r>
+              <a:rPr lang="en-US" sz="5500" dirty="0" smtClean="0"/>
+              <a:t> Elements</a:t>
+            </a:r>
+            <a:endParaRPr lang="en-US" sz="5500" dirty="0"/>
+          </a:p>
+        </p:txBody>
+      </p:sp>
+      <p:pic>
+        <p:nvPicPr>
+          <p:cNvPr id="6" name="Рисунок 5"/>
+          <p:cNvPicPr>
+            <a:picLocks noChangeAspect="1"/>
+          </p:cNvPicPr>
+          <p:nvPr/>
+        </p:nvPicPr>
+        <p:blipFill>
+          <a:blip r:embed="rId2"/>
+          <a:stretch>
+            <a:fillRect/>
+          </a:stretch>
+        </p:blipFill>
+        <p:spPr>
+          <a:xfrm>
+            <a:off x="1046555" y="626648"/>
+            <a:ext cx="10179635" cy="6231352"/>
+          </a:xfrm>
+          <a:prstGeom prst="rect">
+            <a:avLst/>
+          </a:prstGeom>
+        </p:spPr>
+      </p:pic>
+    </p:spTree>
+    <p:extLst>
+      <p:ext uri="{BB962C8B-B14F-4D97-AF65-F5344CB8AC3E}">
+        <p14:creationId xmlns:p14="http://schemas.microsoft.com/office/powerpoint/2010/main" val="4211488669"/>
+      </p:ext>
+    </p:extLst>
+  </p:cSld>
+  <p:clrMapOvr>
+    <a:masterClrMapping/>
+  </p:clrMapOvr>
+</p:sld>
+</file>
+
 <file path=ppt/slides/slide2.xml><?xml version="1.0" encoding="utf-8"?>
 <p:sld xmlns:a="http://schemas.openxmlformats.org/drawingml/2006/main" xmlns:r="http://schemas.openxmlformats.org/officeDocument/2006/relationships" xmlns:p="http://schemas.openxmlformats.org/presentationml/2006/main">
   <p:cSld>
